--- a/pygame_ppt.pptx
+++ b/pygame_ppt.pptx
@@ -10,6 +10,7 @@
     <p:sldId id="258" r:id="rId4"/>
     <p:sldId id="259" r:id="rId5"/>
     <p:sldId id="260" r:id="rId6"/>
+    <p:sldId id="261" r:id="rId7"/>
   </p:sldIdLst>
   <p:sldSz cx="12192000" cy="6858000"/>
   <p:notesSz cx="6858000" cy="9144000"/>
@@ -108,6 +109,11 @@
       </a:defRPr>
     </a:lvl9pPr>
   </p:defaultTextStyle>
+  <p:extLst>
+    <p:ext uri="{EFAFB233-063F-42B5-8137-9DF3F51BA10A}">
+      <p15:sldGuideLst xmlns:p15="http://schemas.microsoft.com/office/powerpoint/2012/main"/>
+    </p:ext>
+  </p:extLst>
 </p:presentation>
 </file>
 
@@ -258,7 +264,7 @@
           <a:p>
             <a:fld id="{74A9A190-7A7D-4184-A2F0-E677F848D87F}" type="datetimeFigureOut">
               <a:rPr lang="hu-HU" smtClean="0"/>
-              <a:t>2024.01.30</a:t>
+              <a:t>2024.02.08</a:t>
             </a:fld>
             <a:endParaRPr lang="hu-HU"/>
           </a:p>
@@ -456,7 +462,7 @@
           <a:p>
             <a:fld id="{74A9A190-7A7D-4184-A2F0-E677F848D87F}" type="datetimeFigureOut">
               <a:rPr lang="hu-HU" smtClean="0"/>
-              <a:t>2024.01.30</a:t>
+              <a:t>2024.02.08</a:t>
             </a:fld>
             <a:endParaRPr lang="hu-HU"/>
           </a:p>
@@ -664,7 +670,7 @@
           <a:p>
             <a:fld id="{74A9A190-7A7D-4184-A2F0-E677F848D87F}" type="datetimeFigureOut">
               <a:rPr lang="hu-HU" smtClean="0"/>
-              <a:t>2024.01.30</a:t>
+              <a:t>2024.02.08</a:t>
             </a:fld>
             <a:endParaRPr lang="hu-HU"/>
           </a:p>
@@ -862,7 +868,7 @@
           <a:p>
             <a:fld id="{74A9A190-7A7D-4184-A2F0-E677F848D87F}" type="datetimeFigureOut">
               <a:rPr lang="hu-HU" smtClean="0"/>
-              <a:t>2024.01.30</a:t>
+              <a:t>2024.02.08</a:t>
             </a:fld>
             <a:endParaRPr lang="hu-HU"/>
           </a:p>
@@ -1137,7 +1143,7 @@
           <a:p>
             <a:fld id="{74A9A190-7A7D-4184-A2F0-E677F848D87F}" type="datetimeFigureOut">
               <a:rPr lang="hu-HU" smtClean="0"/>
-              <a:t>2024.01.30</a:t>
+              <a:t>2024.02.08</a:t>
             </a:fld>
             <a:endParaRPr lang="hu-HU"/>
           </a:p>
@@ -1402,7 +1408,7 @@
           <a:p>
             <a:fld id="{74A9A190-7A7D-4184-A2F0-E677F848D87F}" type="datetimeFigureOut">
               <a:rPr lang="hu-HU" smtClean="0"/>
-              <a:t>2024.01.30</a:t>
+              <a:t>2024.02.08</a:t>
             </a:fld>
             <a:endParaRPr lang="hu-HU"/>
           </a:p>
@@ -1814,7 +1820,7 @@
           <a:p>
             <a:fld id="{74A9A190-7A7D-4184-A2F0-E677F848D87F}" type="datetimeFigureOut">
               <a:rPr lang="hu-HU" smtClean="0"/>
-              <a:t>2024.01.30</a:t>
+              <a:t>2024.02.08</a:t>
             </a:fld>
             <a:endParaRPr lang="hu-HU"/>
           </a:p>
@@ -1955,7 +1961,7 @@
           <a:p>
             <a:fld id="{74A9A190-7A7D-4184-A2F0-E677F848D87F}" type="datetimeFigureOut">
               <a:rPr lang="hu-HU" smtClean="0"/>
-              <a:t>2024.01.30</a:t>
+              <a:t>2024.02.08</a:t>
             </a:fld>
             <a:endParaRPr lang="hu-HU"/>
           </a:p>
@@ -2068,7 +2074,7 @@
           <a:p>
             <a:fld id="{74A9A190-7A7D-4184-A2F0-E677F848D87F}" type="datetimeFigureOut">
               <a:rPr lang="hu-HU" smtClean="0"/>
-              <a:t>2024.01.30</a:t>
+              <a:t>2024.02.08</a:t>
             </a:fld>
             <a:endParaRPr lang="hu-HU"/>
           </a:p>
@@ -2379,7 +2385,7 @@
           <a:p>
             <a:fld id="{74A9A190-7A7D-4184-A2F0-E677F848D87F}" type="datetimeFigureOut">
               <a:rPr lang="hu-HU" smtClean="0"/>
-              <a:t>2024.01.30</a:t>
+              <a:t>2024.02.08</a:t>
             </a:fld>
             <a:endParaRPr lang="hu-HU"/>
           </a:p>
@@ -2667,7 +2673,7 @@
           <a:p>
             <a:fld id="{74A9A190-7A7D-4184-A2F0-E677F848D87F}" type="datetimeFigureOut">
               <a:rPr lang="hu-HU" smtClean="0"/>
-              <a:t>2024.01.30</a:t>
+              <a:t>2024.02.08</a:t>
             </a:fld>
             <a:endParaRPr lang="hu-HU"/>
           </a:p>
@@ -2908,7 +2914,7 @@
           <a:p>
             <a:fld id="{74A9A190-7A7D-4184-A2F0-E677F848D87F}" type="datetimeFigureOut">
               <a:rPr lang="hu-HU" smtClean="0"/>
-              <a:t>2024.01.30</a:t>
+              <a:t>2024.02.08</a:t>
             </a:fld>
             <a:endParaRPr lang="hu-HU"/>
           </a:p>
@@ -3996,31 +4002,6 @@
           </a:p>
         </p:txBody>
       </p:sp>
-      <p:sp>
-        <p:nvSpPr>
-          <p:cNvPr id="3" name="Tartalom helye 2">
-            <a:extLst>
-              <a:ext uri="{FF2B5EF4-FFF2-40B4-BE49-F238E27FC236}">
-                <a16:creationId xmlns:a16="http://schemas.microsoft.com/office/drawing/2014/main" id="{960DFED6-34BE-465B-9CC8-7C35D33877E6}"/>
-              </a:ext>
-            </a:extLst>
-          </p:cNvPr>
-          <p:cNvSpPr>
-            <a:spLocks noGrp="1"/>
-          </p:cNvSpPr>
-          <p:nvPr>
-            <p:ph idx="1"/>
-          </p:nvPr>
-        </p:nvSpPr>
-        <p:spPr/>
-        <p:txBody>
-          <a:bodyPr/>
-          <a:lstStyle/>
-          <a:p>
-            <a:endParaRPr lang="hu-HU" dirty="0"/>
-          </a:p>
-        </p:txBody>
-      </p:sp>
       <p:pic>
         <p:nvPicPr>
           <p:cNvPr id="5" name="Kép 4">
@@ -4307,31 +4288,6 @@
           </a:p>
         </p:txBody>
       </p:sp>
-      <p:sp>
-        <p:nvSpPr>
-          <p:cNvPr id="3" name="Tartalom helye 2">
-            <a:extLst>
-              <a:ext uri="{FF2B5EF4-FFF2-40B4-BE49-F238E27FC236}">
-                <a16:creationId xmlns:a16="http://schemas.microsoft.com/office/drawing/2014/main" id="{A7D13D2C-0EB0-493B-8219-98D1A9CF2227}"/>
-              </a:ext>
-            </a:extLst>
-          </p:cNvPr>
-          <p:cNvSpPr>
-            <a:spLocks noGrp="1"/>
-          </p:cNvSpPr>
-          <p:nvPr>
-            <p:ph idx="1"/>
-          </p:nvPr>
-        </p:nvSpPr>
-        <p:spPr/>
-        <p:txBody>
-          <a:bodyPr/>
-          <a:lstStyle/>
-          <a:p>
-            <a:endParaRPr lang="hu-HU" dirty="0"/>
-          </a:p>
-        </p:txBody>
-      </p:sp>
       <p:pic>
         <p:nvPicPr>
           <p:cNvPr id="5" name="Kép 4">
@@ -4576,6 +4532,146 @@
     <p:extLst>
       <p:ext uri="{BB962C8B-B14F-4D97-AF65-F5344CB8AC3E}">
         <p14:creationId xmlns:p14="http://schemas.microsoft.com/office/powerpoint/2010/main" val="1792592419"/>
+      </p:ext>
+    </p:extLst>
+  </p:cSld>
+  <p:clrMapOvr>
+    <a:masterClrMapping/>
+  </p:clrMapOvr>
+</p:sld>
+</file>
+
+<file path=ppt/slides/slide6.xml><?xml version="1.0" encoding="utf-8"?>
+<p:sld xmlns:a="http://schemas.openxmlformats.org/drawingml/2006/main" xmlns:r="http://schemas.openxmlformats.org/officeDocument/2006/relationships" xmlns:p="http://schemas.openxmlformats.org/presentationml/2006/main">
+  <p:cSld>
+    <p:bg>
+      <p:bgPr>
+        <a:blipFill dpi="0" rotWithShape="1">
+          <a:blip r:embed="rId2">
+            <a:lum/>
+          </a:blip>
+          <a:srcRect/>
+          <a:stretch>
+            <a:fillRect t="-60000" b="-60000"/>
+          </a:stretch>
+        </a:blipFill>
+        <a:effectLst/>
+      </p:bgPr>
+    </p:bg>
+    <p:spTree>
+      <p:nvGrpSpPr>
+        <p:cNvPr id="1" name=""/>
+        <p:cNvGrpSpPr/>
+        <p:nvPr/>
+      </p:nvGrpSpPr>
+      <p:grpSpPr>
+        <a:xfrm>
+          <a:off x="0" y="0"/>
+          <a:ext cx="0" cy="0"/>
+          <a:chOff x="0" y="0"/>
+          <a:chExt cx="0" cy="0"/>
+        </a:xfrm>
+      </p:grpSpPr>
+      <p:pic>
+        <p:nvPicPr>
+          <p:cNvPr id="4" name="Kép 3">
+            <a:extLst>
+              <a:ext uri="{FF2B5EF4-FFF2-40B4-BE49-F238E27FC236}">
+                <a16:creationId xmlns:a16="http://schemas.microsoft.com/office/drawing/2014/main" id="{223A63F5-1EA8-42A5-8DC3-C2751D436D1D}"/>
+              </a:ext>
+            </a:extLst>
+          </p:cNvPr>
+          <p:cNvPicPr>
+            <a:picLocks noChangeAspect="1"/>
+          </p:cNvPicPr>
+          <p:nvPr/>
+        </p:nvPicPr>
+        <p:blipFill>
+          <a:blip r:embed="rId3">
+            <a:extLst>
+              <a:ext uri="{BEBA8EAE-BF5A-486C-A8C5-ECC9F3942E4B}">
+                <a14:imgProps xmlns:a14="http://schemas.microsoft.com/office/drawing/2010/main">
+                  <a14:imgLayer r:embed="rId4">
+                    <a14:imgEffect>
+                      <a14:artisticBlur/>
+                    </a14:imgEffect>
+                  </a14:imgLayer>
+                </a14:imgProps>
+              </a:ext>
+            </a:extLst>
+          </a:blip>
+          <a:stretch>
+            <a:fillRect/>
+          </a:stretch>
+        </p:blipFill>
+        <p:spPr>
+          <a:xfrm>
+            <a:off x="-618870" y="-85620"/>
+            <a:ext cx="13798867" cy="7041244"/>
+          </a:xfrm>
+          <a:prstGeom prst="rect">
+            <a:avLst/>
+          </a:prstGeom>
+        </p:spPr>
+      </p:pic>
+      <p:sp>
+        <p:nvSpPr>
+          <p:cNvPr id="2" name="Cím 1">
+            <a:extLst>
+              <a:ext uri="{FF2B5EF4-FFF2-40B4-BE49-F238E27FC236}">
+                <a16:creationId xmlns:a16="http://schemas.microsoft.com/office/drawing/2014/main" id="{E86BBB28-736F-40B0-BF49-626D4DBF1681}"/>
+              </a:ext>
+            </a:extLst>
+          </p:cNvPr>
+          <p:cNvSpPr>
+            <a:spLocks noGrp="1"/>
+          </p:cNvSpPr>
+          <p:nvPr>
+            <p:ph type="title"/>
+          </p:nvPr>
+        </p:nvSpPr>
+        <p:spPr>
+          <a:xfrm>
+            <a:off x="2220080" y="2766218"/>
+            <a:ext cx="8120965" cy="1325563"/>
+          </a:xfrm>
+          <a:noFill/>
+        </p:spPr>
+        <p:txBody>
+          <a:bodyPr>
+            <a:normAutofit fontScale="90000"/>
+          </a:bodyPr>
+          <a:lstStyle/>
+          <a:p>
+            <a:r>
+              <a:rPr lang="hu-HU" sz="6000" b="1" dirty="0">
+                <a:solidFill>
+                  <a:srgbClr val="92D050"/>
+                </a:solidFill>
+                <a:latin typeface="Arial Rounded MT Bold" panose="020F0704030504030204" pitchFamily="34" charset="0"/>
+              </a:rPr>
+              <a:t>Köszönjük</a:t>
+            </a:r>
+            <a:r>
+              <a:rPr lang="hu-HU" dirty="0"/>
+              <a:t> </a:t>
+            </a:r>
+            <a:r>
+              <a:rPr lang="hu-HU" sz="6000" b="1" dirty="0">
+                <a:solidFill>
+                  <a:srgbClr val="92D050"/>
+                </a:solidFill>
+                <a:latin typeface="Arial Rounded MT Bold" panose="020F0704030504030204" pitchFamily="34" charset="0"/>
+              </a:rPr>
+              <a:t>a figyelmet!</a:t>
+            </a:r>
+          </a:p>
+        </p:txBody>
+      </p:sp>
+    </p:spTree>
+    <p:extLst>
+      <p:ext uri="{BB962C8B-B14F-4D97-AF65-F5344CB8AC3E}">
+        <p14:creationId xmlns:p14="http://schemas.microsoft.com/office/powerpoint/2010/main" val="1470674943"/>
       </p:ext>
     </p:extLst>
   </p:cSld>
